--- a/FlujoCalorSuelo.pptx
+++ b/FlujoCalorSuelo.pptx
@@ -14,7 +14,8 @@
     <p:sldId id="262" r:id="rId8"/>
     <p:sldId id="263" r:id="rId9"/>
     <p:sldId id="264" r:id="rId10"/>
-    <p:sldId id="265" r:id="rId11"/>
+    <p:sldId id="266" r:id="rId11"/>
+    <p:sldId id="265" r:id="rId12"/>
   </p:sldIdLst>
   <p:sldSz cx="12192000" cy="6858000"/>
   <p:notesSz cx="6858000" cy="9144000"/>
@@ -3511,6 +3512,325 @@
 </file>
 
 <file path=ppt/slides/slide10.xml><?xml version="1.0" encoding="utf-8"?>
+<p:sld xmlns:a="http://schemas.openxmlformats.org/drawingml/2006/main" xmlns:r="http://schemas.openxmlformats.org/officeDocument/2006/relationships" xmlns:p="http://schemas.openxmlformats.org/presentationml/2006/main">
+  <p:cSld>
+    <p:spTree>
+      <p:nvGrpSpPr>
+        <p:cNvPr id="1" name=""/>
+        <p:cNvGrpSpPr/>
+        <p:nvPr/>
+      </p:nvGrpSpPr>
+      <p:grpSpPr>
+        <a:xfrm>
+          <a:off x="0" y="0"/>
+          <a:ext cx="0" cy="0"/>
+          <a:chOff x="0" y="0"/>
+          <a:chExt cx="0" cy="0"/>
+        </a:xfrm>
+      </p:grpSpPr>
+      <p:sp>
+        <p:nvSpPr>
+          <p:cNvPr id="2" name="Title 1">
+            <a:extLst>
+              <a:ext uri="{FF2B5EF4-FFF2-40B4-BE49-F238E27FC236}">
+                <a16:creationId xmlns:a16="http://schemas.microsoft.com/office/drawing/2014/main" id="{725F41A3-9601-942D-A18D-18A156AECB38}"/>
+              </a:ext>
+            </a:extLst>
+          </p:cNvPr>
+          <p:cNvSpPr>
+            <a:spLocks noGrp="1"/>
+          </p:cNvSpPr>
+          <p:nvPr>
+            <p:ph type="title"/>
+          </p:nvPr>
+        </p:nvSpPr>
+        <p:spPr/>
+        <p:txBody>
+          <a:bodyPr/>
+          <a:lstStyle/>
+          <a:p>
+            <a:r>
+              <a:rPr lang="en-US" dirty="0" err="1"/>
+              <a:t>Práctico</a:t>
+            </a:r>
+            <a:r>
+              <a:rPr lang="en-US" dirty="0"/>
+              <a:t> (</a:t>
+            </a:r>
+            <a:r>
+              <a:rPr lang="en-US" dirty="0" err="1"/>
+              <a:t>Introdución</a:t>
+            </a:r>
+            <a:r>
+              <a:rPr lang="en-US" dirty="0"/>
+              <a:t> a R)</a:t>
+            </a:r>
+          </a:p>
+        </p:txBody>
+      </p:sp>
+      <p:sp>
+        <p:nvSpPr>
+          <p:cNvPr id="3" name="Content Placeholder 2">
+            <a:extLst>
+              <a:ext uri="{FF2B5EF4-FFF2-40B4-BE49-F238E27FC236}">
+                <a16:creationId xmlns:a16="http://schemas.microsoft.com/office/drawing/2014/main" id="{302CF995-73C8-8C1C-2BE6-EA29909E2AC7}"/>
+              </a:ext>
+            </a:extLst>
+          </p:cNvPr>
+          <p:cNvSpPr>
+            <a:spLocks noGrp="1"/>
+          </p:cNvSpPr>
+          <p:nvPr>
+            <p:ph idx="1"/>
+          </p:nvPr>
+        </p:nvSpPr>
+        <p:spPr/>
+        <p:txBody>
+          <a:bodyPr>
+            <a:normAutofit/>
+          </a:bodyPr>
+          <a:lstStyle/>
+          <a:p>
+            <a:r>
+              <a:rPr lang="en-US" dirty="0"/>
+              <a:t>Por </a:t>
+            </a:r>
+            <a:r>
+              <a:rPr lang="en-US" dirty="0" err="1"/>
+              <a:t>qué</a:t>
+            </a:r>
+            <a:r>
+              <a:rPr lang="en-US" dirty="0"/>
+              <a:t> R?</a:t>
+            </a:r>
+          </a:p>
+          <a:p>
+            <a:r>
+              <a:rPr lang="en-US" dirty="0" err="1"/>
+              <a:t>Donde</a:t>
+            </a:r>
+            <a:r>
+              <a:rPr lang="en-US" dirty="0"/>
+              <a:t> </a:t>
+            </a:r>
+            <a:r>
+              <a:rPr lang="en-US" dirty="0" err="1"/>
+              <a:t>Bajarlo</a:t>
+            </a:r>
+            <a:r>
+              <a:rPr lang="en-US" dirty="0"/>
+              <a:t>???? (</a:t>
+            </a:r>
+            <a:r>
+              <a:rPr lang="en-US" dirty="0" err="1"/>
+              <a:t>Necesitamos</a:t>
+            </a:r>
+            <a:r>
+              <a:rPr lang="en-US" dirty="0"/>
+              <a:t> </a:t>
+            </a:r>
+            <a:r>
+              <a:rPr lang="en-US" dirty="0" err="1"/>
+              <a:t>bajar</a:t>
+            </a:r>
+            <a:r>
+              <a:rPr lang="en-US" dirty="0"/>
+              <a:t> 2 </a:t>
+            </a:r>
+            <a:r>
+              <a:rPr lang="en-US" dirty="0" err="1"/>
+              <a:t>cosas</a:t>
+            </a:r>
+            <a:r>
+              <a:rPr lang="en-US" dirty="0"/>
+              <a:t>!!! R Project (la </a:t>
+            </a:r>
+            <a:r>
+              <a:rPr lang="en-US" dirty="0" err="1"/>
+              <a:t>Maquina</a:t>
+            </a:r>
+            <a:r>
+              <a:rPr lang="en-US" dirty="0"/>
+              <a:t> </a:t>
+            </a:r>
+            <a:r>
+              <a:rPr lang="en-US" dirty="0" err="1"/>
+              <a:t>detras</a:t>
+            </a:r>
+            <a:r>
+              <a:rPr lang="en-US" dirty="0"/>
+              <a:t> o </a:t>
+            </a:r>
+            <a:r>
+              <a:rPr lang="en-US" dirty="0" err="1"/>
+              <a:t>Compilador</a:t>
+            </a:r>
+            <a:r>
+              <a:rPr lang="en-US" dirty="0"/>
+              <a:t>) y R Studio (</a:t>
+            </a:r>
+            <a:r>
+              <a:rPr lang="en-US" dirty="0" err="1"/>
+              <a:t>Interfase</a:t>
+            </a:r>
+            <a:r>
+              <a:rPr lang="en-US" dirty="0"/>
+              <a:t> </a:t>
+            </a:r>
+            <a:r>
+              <a:rPr lang="en-US" dirty="0" err="1"/>
+              <a:t>donde</a:t>
+            </a:r>
+            <a:r>
+              <a:rPr lang="en-US" dirty="0"/>
+              <a:t> Podemos </a:t>
+            </a:r>
+            <a:r>
+              <a:rPr lang="en-US" dirty="0" err="1"/>
+              <a:t>ver</a:t>
+            </a:r>
+            <a:r>
+              <a:rPr lang="en-US" dirty="0"/>
+              <a:t> </a:t>
+            </a:r>
+            <a:r>
+              <a:rPr lang="en-US" dirty="0" err="1"/>
+              <a:t>nuestro</a:t>
+            </a:r>
+            <a:r>
+              <a:rPr lang="en-US" dirty="0"/>
+              <a:t> </a:t>
+            </a:r>
+            <a:r>
+              <a:rPr lang="en-US" dirty="0" err="1"/>
+              <a:t>codigo</a:t>
+            </a:r>
+            <a:r>
+              <a:rPr lang="en-US" dirty="0"/>
+              <a:t>). </a:t>
+            </a:r>
+            <a:r>
+              <a:rPr lang="en-US" dirty="0" err="1"/>
+              <a:t>Buscar</a:t>
+            </a:r>
+            <a:r>
+              <a:rPr lang="en-US" dirty="0"/>
+              <a:t> </a:t>
+            </a:r>
+            <a:r>
+              <a:rPr lang="en-US" dirty="0" err="1"/>
+              <a:t>en</a:t>
+            </a:r>
+            <a:r>
+              <a:rPr lang="en-US" dirty="0"/>
+              <a:t> Google</a:t>
+            </a:r>
+          </a:p>
+          <a:p>
+            <a:endParaRPr lang="en-US" dirty="0"/>
+          </a:p>
+          <a:p>
+            <a:r>
+              <a:rPr lang="en-US" dirty="0" err="1"/>
+              <a:t>Ir</a:t>
+            </a:r>
+            <a:r>
+              <a:rPr lang="en-US" dirty="0"/>
+              <a:t> a </a:t>
+            </a:r>
+            <a:r>
+              <a:rPr lang="en-US" dirty="0">
+                <a:hlinkClick r:id="rId2"/>
+              </a:rPr>
+              <a:t>www.github.com/nicolasraabramm</a:t>
+            </a:r>
+            <a:endParaRPr lang="en-US" dirty="0"/>
+          </a:p>
+          <a:p>
+            <a:endParaRPr lang="en-US" dirty="0"/>
+          </a:p>
+          <a:p>
+            <a:r>
+              <a:rPr lang="en-US" dirty="0" err="1"/>
+              <a:t>Ir</a:t>
+            </a:r>
+            <a:r>
+              <a:rPr lang="en-US" dirty="0"/>
+              <a:t> al </a:t>
+            </a:r>
+            <a:r>
+              <a:rPr lang="en-US" dirty="0" err="1"/>
+              <a:t>repositorio</a:t>
+            </a:r>
+            <a:r>
+              <a:rPr lang="en-US" dirty="0"/>
+              <a:t> </a:t>
+            </a:r>
+            <a:r>
+              <a:rPr lang="en-US" i="1" dirty="0" err="1"/>
+              <a:t>BiometeoroligiaR</a:t>
+            </a:r>
+            <a:r>
+              <a:rPr lang="en-US" dirty="0"/>
+              <a:t> y </a:t>
+            </a:r>
+            <a:r>
+              <a:rPr lang="en-US" dirty="0" err="1"/>
+              <a:t>buscar</a:t>
+            </a:r>
+            <a:r>
+              <a:rPr lang="en-US" dirty="0"/>
+              <a:t> </a:t>
+            </a:r>
+            <a:r>
+              <a:rPr lang="en-US" dirty="0" err="1"/>
+              <a:t>el</a:t>
+            </a:r>
+            <a:r>
+              <a:rPr lang="en-US" dirty="0"/>
+              <a:t> script “</a:t>
+            </a:r>
+            <a:r>
+              <a:rPr lang="en-US" dirty="0" err="1"/>
+              <a:t>Ejemplos_SoilTemperature.R</a:t>
+            </a:r>
+            <a:r>
+              <a:rPr lang="en-US" dirty="0"/>
+              <a:t>” y la </a:t>
+            </a:r>
+            <a:r>
+              <a:rPr lang="en-US" dirty="0" err="1"/>
+              <a:t>presentacion</a:t>
+            </a:r>
+            <a:r>
+              <a:rPr lang="en-US" dirty="0"/>
+              <a:t> ppt para </a:t>
+            </a:r>
+            <a:r>
+              <a:rPr lang="en-US"/>
+              <a:t>descargar</a:t>
+            </a:r>
+            <a:endParaRPr lang="en-US" dirty="0"/>
+          </a:p>
+          <a:p>
+            <a:endParaRPr lang="en-US" dirty="0"/>
+          </a:p>
+        </p:txBody>
+      </p:sp>
+    </p:spTree>
+    <p:extLst>
+      <p:ext uri="{BB962C8B-B14F-4D97-AF65-F5344CB8AC3E}">
+        <p14:creationId xmlns:p14="http://schemas.microsoft.com/office/powerpoint/2010/main" val="2837894819"/>
+      </p:ext>
+    </p:extLst>
+  </p:cSld>
+  <p:clrMapOvr>
+    <a:masterClrMapping/>
+  </p:clrMapOvr>
+</p:sld>
+</file>
+
+<file path=ppt/slides/slide11.xml><?xml version="1.0" encoding="utf-8"?>
 <p:sld xmlns:a="http://schemas.openxmlformats.org/drawingml/2006/main" xmlns:r="http://schemas.openxmlformats.org/officeDocument/2006/relationships" xmlns:p="http://schemas.openxmlformats.org/presentationml/2006/main">
   <p:cSld>
     <p:spTree>

--- a/FlujoCalorSuelo.pptx
+++ b/FlujoCalorSuelo.pptx
@@ -14,8 +14,8 @@
     <p:sldId id="262" r:id="rId8"/>
     <p:sldId id="263" r:id="rId9"/>
     <p:sldId id="264" r:id="rId10"/>
-    <p:sldId id="266" r:id="rId11"/>
-    <p:sldId id="265" r:id="rId12"/>
+    <p:sldId id="267" r:id="rId11"/>
+    <p:sldId id="266" r:id="rId12"/>
   </p:sldIdLst>
   <p:sldSz cx="12192000" cy="6858000"/>
   <p:notesSz cx="6858000" cy="9144000"/>
@@ -3533,7 +3533,7 @@
           <p:cNvPr id="2" name="Title 1">
             <a:extLst>
               <a:ext uri="{FF2B5EF4-FFF2-40B4-BE49-F238E27FC236}">
-                <a16:creationId xmlns:a16="http://schemas.microsoft.com/office/drawing/2014/main" id="{725F41A3-9601-942D-A18D-18A156AECB38}"/>
+                <a16:creationId xmlns:a16="http://schemas.microsoft.com/office/drawing/2014/main" id="{41151417-EC66-6DDD-31B8-91D6F2EB7D61}"/>
               </a:ext>
             </a:extLst>
           </p:cNvPr>
@@ -3551,7 +3551,47 @@
           <a:p>
             <a:r>
               <a:rPr lang="en-US" dirty="0" err="1"/>
-              <a:t>Práctico</a:t>
+              <a:t>Cambios</a:t>
+            </a:r>
+            <a:r>
+              <a:rPr lang="en-US" dirty="0"/>
+              <a:t> </a:t>
+            </a:r>
+            <a:r>
+              <a:rPr lang="en-US" dirty="0" err="1"/>
+              <a:t>en</a:t>
+            </a:r>
+            <a:r>
+              <a:rPr lang="en-US" dirty="0"/>
+              <a:t> las </a:t>
+            </a:r>
+            <a:r>
+              <a:rPr lang="en-US" dirty="0" err="1"/>
+              <a:t>caractersticas</a:t>
+            </a:r>
+            <a:r>
+              <a:rPr lang="en-US" dirty="0"/>
+              <a:t> </a:t>
+            </a:r>
+            <a:r>
+              <a:rPr lang="en-US" dirty="0" err="1"/>
+              <a:t>térmicas</a:t>
+            </a:r>
+            <a:r>
+              <a:rPr lang="en-US" dirty="0"/>
+              <a:t> de </a:t>
+            </a:r>
+            <a:r>
+              <a:rPr lang="en-US" dirty="0" err="1"/>
+              <a:t>los</a:t>
+            </a:r>
+            <a:r>
+              <a:rPr lang="en-US" dirty="0"/>
+              <a:t> </a:t>
+            </a:r>
+            <a:r>
+              <a:rPr lang="en-US" dirty="0" err="1"/>
+              <a:t>suelos</a:t>
             </a:r>
             <a:r>
               <a:rPr lang="en-US" dirty="0"/>
@@ -3559,268 +3599,445 @@
             </a:r>
             <a:r>
               <a:rPr lang="en-US" dirty="0" err="1"/>
-              <a:t>Introdución</a:t>
+              <a:t>Capacidad</a:t>
             </a:r>
             <a:r>
               <a:rPr lang="en-US" dirty="0"/>
-              <a:t> a R)</a:t>
+              <a:t> </a:t>
+            </a:r>
+            <a:r>
+              <a:rPr lang="en-US" dirty="0" err="1"/>
+              <a:t>calorica</a:t>
+            </a:r>
+            <a:r>
+              <a:rPr lang="en-US" dirty="0"/>
+              <a:t> </a:t>
+            </a:r>
+            <a:r>
+              <a:rPr lang="en-US"/>
+              <a:t>volumétrica</a:t>
+            </a:r>
+            <a:r>
+              <a:rPr lang="en-US" dirty="0"/>
+              <a:t>)</a:t>
             </a:r>
           </a:p>
         </p:txBody>
       </p:sp>
-      <p:sp>
-        <p:nvSpPr>
-          <p:cNvPr id="3" name="Content Placeholder 2">
-            <a:extLst>
-              <a:ext uri="{FF2B5EF4-FFF2-40B4-BE49-F238E27FC236}">
-                <a16:creationId xmlns:a16="http://schemas.microsoft.com/office/drawing/2014/main" id="{302CF995-73C8-8C1C-2BE6-EA29909E2AC7}"/>
-              </a:ext>
-            </a:extLst>
-          </p:cNvPr>
-          <p:cNvSpPr>
-            <a:spLocks noGrp="1"/>
-          </p:cNvSpPr>
-          <p:nvPr>
-            <p:ph idx="1"/>
-          </p:nvPr>
-        </p:nvSpPr>
-        <p:spPr/>
-        <p:txBody>
-          <a:bodyPr>
-            <a:normAutofit/>
-          </a:bodyPr>
-          <a:lstStyle/>
-          <a:p>
-            <a:r>
-              <a:rPr lang="en-US" dirty="0"/>
-              <a:t>Por </a:t>
-            </a:r>
-            <a:r>
-              <a:rPr lang="en-US" dirty="0" err="1"/>
-              <a:t>qué</a:t>
-            </a:r>
-            <a:r>
-              <a:rPr lang="en-US" dirty="0"/>
-              <a:t> R?</a:t>
-            </a:r>
-          </a:p>
-          <a:p>
-            <a:r>
-              <a:rPr lang="en-US" dirty="0" err="1"/>
-              <a:t>Donde</a:t>
-            </a:r>
-            <a:r>
-              <a:rPr lang="en-US" dirty="0"/>
-              <a:t> </a:t>
-            </a:r>
-            <a:r>
-              <a:rPr lang="en-US" dirty="0" err="1"/>
-              <a:t>Bajarlo</a:t>
-            </a:r>
-            <a:r>
-              <a:rPr lang="en-US" dirty="0"/>
-              <a:t>???? (</a:t>
-            </a:r>
-            <a:r>
-              <a:rPr lang="en-US" dirty="0" err="1"/>
-              <a:t>Necesitamos</a:t>
-            </a:r>
-            <a:r>
-              <a:rPr lang="en-US" dirty="0"/>
-              <a:t> </a:t>
-            </a:r>
-            <a:r>
-              <a:rPr lang="en-US" dirty="0" err="1"/>
-              <a:t>bajar</a:t>
-            </a:r>
-            <a:r>
-              <a:rPr lang="en-US" dirty="0"/>
-              <a:t> 2 </a:t>
-            </a:r>
-            <a:r>
-              <a:rPr lang="en-US" dirty="0" err="1"/>
-              <a:t>cosas</a:t>
-            </a:r>
-            <a:r>
-              <a:rPr lang="en-US" dirty="0"/>
-              <a:t>!!! R Project (la </a:t>
-            </a:r>
-            <a:r>
-              <a:rPr lang="en-US" dirty="0" err="1"/>
-              <a:t>Maquina</a:t>
-            </a:r>
-            <a:r>
-              <a:rPr lang="en-US" dirty="0"/>
-              <a:t> </a:t>
-            </a:r>
-            <a:r>
-              <a:rPr lang="en-US" dirty="0" err="1"/>
-              <a:t>detras</a:t>
-            </a:r>
-            <a:r>
-              <a:rPr lang="en-US" dirty="0"/>
-              <a:t> o </a:t>
-            </a:r>
-            <a:r>
-              <a:rPr lang="en-US" dirty="0" err="1"/>
-              <a:t>Compilador</a:t>
-            </a:r>
-            <a:r>
-              <a:rPr lang="en-US" dirty="0"/>
-              <a:t>) y R Studio (</a:t>
-            </a:r>
-            <a:r>
-              <a:rPr lang="en-US" dirty="0" err="1"/>
-              <a:t>Interfase</a:t>
-            </a:r>
-            <a:r>
-              <a:rPr lang="en-US" dirty="0"/>
-              <a:t> </a:t>
-            </a:r>
-            <a:r>
-              <a:rPr lang="en-US" dirty="0" err="1"/>
-              <a:t>donde</a:t>
-            </a:r>
-            <a:r>
-              <a:rPr lang="en-US" dirty="0"/>
-              <a:t> Podemos </a:t>
-            </a:r>
-            <a:r>
-              <a:rPr lang="en-US" dirty="0" err="1"/>
-              <a:t>ver</a:t>
-            </a:r>
-            <a:r>
-              <a:rPr lang="en-US" dirty="0"/>
-              <a:t> </a:t>
-            </a:r>
-            <a:r>
-              <a:rPr lang="en-US" dirty="0" err="1"/>
-              <a:t>nuestro</a:t>
-            </a:r>
-            <a:r>
-              <a:rPr lang="en-US" dirty="0"/>
-              <a:t> </a:t>
-            </a:r>
-            <a:r>
-              <a:rPr lang="en-US" dirty="0" err="1"/>
-              <a:t>codigo</a:t>
-            </a:r>
-            <a:r>
-              <a:rPr lang="en-US" dirty="0"/>
-              <a:t>). </a:t>
-            </a:r>
-            <a:r>
-              <a:rPr lang="en-US" dirty="0" err="1"/>
-              <a:t>Buscar</a:t>
-            </a:r>
-            <a:r>
-              <a:rPr lang="en-US" dirty="0"/>
-              <a:t> </a:t>
-            </a:r>
-            <a:r>
-              <a:rPr lang="en-US" dirty="0" err="1"/>
-              <a:t>en</a:t>
-            </a:r>
-            <a:r>
-              <a:rPr lang="en-US" dirty="0"/>
-              <a:t> Google</a:t>
-            </a:r>
-          </a:p>
-          <a:p>
-            <a:endParaRPr lang="en-US" dirty="0"/>
-          </a:p>
-          <a:p>
-            <a:r>
-              <a:rPr lang="en-US" dirty="0" err="1"/>
-              <a:t>Ir</a:t>
-            </a:r>
-            <a:r>
-              <a:rPr lang="en-US" dirty="0"/>
-              <a:t> a </a:t>
-            </a:r>
-            <a:r>
-              <a:rPr lang="en-US" dirty="0">
-                <a:hlinkClick r:id="rId2"/>
-              </a:rPr>
-              <a:t>www.github.com/nicolasraabramm</a:t>
-            </a:r>
-            <a:endParaRPr lang="en-US" dirty="0"/>
-          </a:p>
-          <a:p>
-            <a:endParaRPr lang="en-US" dirty="0"/>
-          </a:p>
-          <a:p>
-            <a:r>
-              <a:rPr lang="en-US" dirty="0" err="1"/>
-              <a:t>Ir</a:t>
-            </a:r>
-            <a:r>
-              <a:rPr lang="en-US" dirty="0"/>
-              <a:t> al </a:t>
-            </a:r>
-            <a:r>
-              <a:rPr lang="en-US" dirty="0" err="1"/>
-              <a:t>repositorio</a:t>
-            </a:r>
-            <a:r>
-              <a:rPr lang="en-US" dirty="0"/>
-              <a:t> </a:t>
-            </a:r>
-            <a:r>
-              <a:rPr lang="en-US" i="1" dirty="0" err="1"/>
-              <a:t>BiometeoroligiaR</a:t>
-            </a:r>
-            <a:r>
-              <a:rPr lang="en-US" dirty="0"/>
-              <a:t> y </a:t>
-            </a:r>
-            <a:r>
-              <a:rPr lang="en-US" dirty="0" err="1"/>
-              <a:t>buscar</a:t>
-            </a:r>
-            <a:r>
-              <a:rPr lang="en-US" dirty="0"/>
-              <a:t> </a:t>
-            </a:r>
-            <a:r>
-              <a:rPr lang="en-US" dirty="0" err="1"/>
-              <a:t>el</a:t>
-            </a:r>
-            <a:r>
-              <a:rPr lang="en-US" dirty="0"/>
-              <a:t> script “</a:t>
-            </a:r>
-            <a:r>
-              <a:rPr lang="en-US" dirty="0" err="1"/>
-              <a:t>Ejemplos_SoilTemperature.R</a:t>
-            </a:r>
-            <a:r>
-              <a:rPr lang="en-US" dirty="0"/>
-              <a:t>” y la </a:t>
-            </a:r>
-            <a:r>
-              <a:rPr lang="en-US" dirty="0" err="1"/>
-              <a:t>presentacion</a:t>
-            </a:r>
-            <a:r>
-              <a:rPr lang="en-US" dirty="0"/>
-              <a:t> ppt para </a:t>
-            </a:r>
-            <a:r>
-              <a:rPr lang="en-US"/>
-              <a:t>descargar</a:t>
-            </a:r>
-            <a:endParaRPr lang="en-US" dirty="0"/>
-          </a:p>
-          <a:p>
-            <a:endParaRPr lang="en-US" dirty="0"/>
-          </a:p>
-        </p:txBody>
-      </p:sp>
+      <mc:AlternateContent xmlns:mc="http://schemas.openxmlformats.org/markup-compatibility/2006">
+        <mc:Choice xmlns:a14="http://schemas.microsoft.com/office/drawing/2010/main" Requires="a14">
+          <p:sp>
+            <p:nvSpPr>
+              <p:cNvPr id="4" name="TextBox 3">
+                <a:extLst>
+                  <a:ext uri="{FF2B5EF4-FFF2-40B4-BE49-F238E27FC236}">
+                    <a16:creationId xmlns:a16="http://schemas.microsoft.com/office/drawing/2014/main" id="{6FD335E9-62D0-9B01-A1AC-DB41C6D3EC3A}"/>
+                  </a:ext>
+                </a:extLst>
+              </p:cNvPr>
+              <p:cNvSpPr txBox="1"/>
+              <p:nvPr/>
+            </p:nvSpPr>
+            <p:spPr>
+              <a:xfrm>
+                <a:off x="2886075" y="2201405"/>
+                <a:ext cx="7443787" cy="492443"/>
+              </a:xfrm>
+              <a:prstGeom prst="rect">
+                <a:avLst/>
+              </a:prstGeom>
+              <a:noFill/>
+            </p:spPr>
+            <p:txBody>
+              <a:bodyPr wrap="square" lIns="0" tIns="0" rIns="0" bIns="0" rtlCol="0">
+                <a:spAutoFit/>
+              </a:bodyPr>
+              <a:lstStyle/>
+              <a:p>
+                <a14:m>
+                  <m:oMath xmlns:m="http://schemas.openxmlformats.org/officeDocument/2006/math">
+                    <m:sSub>
+                      <m:sSubPr>
+                        <m:ctrlPr>
+                          <a:rPr lang="en-US" sz="3200" i="1" smtClean="0">
+                            <a:latin typeface="Cambria Math" panose="02040503050406030204" pitchFamily="18" charset="0"/>
+                          </a:rPr>
+                        </m:ctrlPr>
+                      </m:sSubPr>
+                      <m:e>
+                        <m:r>
+                          <a:rPr lang="en-US" sz="3200" i="1" smtClean="0">
+                            <a:latin typeface="Cambria Math" panose="02040503050406030204" pitchFamily="18" charset="0"/>
+                            <a:ea typeface="Cambria Math" panose="02040503050406030204" pitchFamily="18" charset="0"/>
+                          </a:rPr>
+                          <m:t>𝜌</m:t>
+                        </m:r>
+                      </m:e>
+                      <m:sub>
+                        <m:r>
+                          <a:rPr lang="es-ES" sz="3200" b="0" i="1" smtClean="0">
+                            <a:latin typeface="Cambria Math" panose="02040503050406030204" pitchFamily="18" charset="0"/>
+                          </a:rPr>
+                          <m:t>𝑠</m:t>
+                        </m:r>
+                      </m:sub>
+                    </m:sSub>
+                    <m:sSub>
+                      <m:sSubPr>
+                        <m:ctrlPr>
+                          <a:rPr lang="en-US" sz="3200" i="1" smtClean="0">
+                            <a:latin typeface="Cambria Math" panose="02040503050406030204" pitchFamily="18" charset="0"/>
+                          </a:rPr>
+                        </m:ctrlPr>
+                      </m:sSubPr>
+                      <m:e>
+                        <m:r>
+                          <a:rPr lang="es-ES" sz="3200" b="0" i="1" smtClean="0">
+                            <a:latin typeface="Cambria Math" panose="02040503050406030204" pitchFamily="18" charset="0"/>
+                          </a:rPr>
+                          <m:t>𝐶</m:t>
+                        </m:r>
+                      </m:e>
+                      <m:sub>
+                        <m:r>
+                          <a:rPr lang="es-ES" sz="3200" b="0" i="1" smtClean="0">
+                            <a:latin typeface="Cambria Math" panose="02040503050406030204" pitchFamily="18" charset="0"/>
+                          </a:rPr>
+                          <m:t>𝑠</m:t>
+                        </m:r>
+                      </m:sub>
+                    </m:sSub>
+                    <m:r>
+                      <a:rPr lang="es-ES" sz="3200" b="0" i="0" smtClean="0">
+                        <a:latin typeface="Cambria Math" panose="02040503050406030204" pitchFamily="18" charset="0"/>
+                      </a:rPr>
+                      <m:t>= </m:t>
+                    </m:r>
+                    <m:sSub>
+                      <m:sSubPr>
+                        <m:ctrlPr>
+                          <a:rPr lang="es-ES" sz="3200" b="0" i="1" smtClean="0">
+                            <a:latin typeface="Cambria Math" panose="02040503050406030204" pitchFamily="18" charset="0"/>
+                          </a:rPr>
+                        </m:ctrlPr>
+                      </m:sSubPr>
+                      <m:e>
+                        <m:r>
+                          <a:rPr lang="es-ES" sz="3200" b="0" i="1" smtClean="0">
+                            <a:latin typeface="Cambria Math" panose="02040503050406030204" pitchFamily="18" charset="0"/>
+                            <a:ea typeface="Cambria Math" panose="02040503050406030204" pitchFamily="18" charset="0"/>
+                          </a:rPr>
+                          <m:t>𝜙</m:t>
+                        </m:r>
+                      </m:e>
+                      <m:sub>
+                        <m:r>
+                          <a:rPr lang="es-ES" sz="3200" b="0" i="1" smtClean="0">
+                            <a:latin typeface="Cambria Math" panose="02040503050406030204" pitchFamily="18" charset="0"/>
+                          </a:rPr>
+                          <m:t>𝑚</m:t>
+                        </m:r>
+                      </m:sub>
+                    </m:sSub>
+                    <m:sSub>
+                      <m:sSubPr>
+                        <m:ctrlPr>
+                          <a:rPr lang="es-ES" sz="3200" b="0" i="1" smtClean="0">
+                            <a:latin typeface="Cambria Math" panose="02040503050406030204" pitchFamily="18" charset="0"/>
+                          </a:rPr>
+                        </m:ctrlPr>
+                      </m:sSubPr>
+                      <m:e>
+                        <m:r>
+                          <a:rPr lang="es-ES" sz="3200" b="0" i="1" smtClean="0">
+                            <a:latin typeface="Cambria Math" panose="02040503050406030204" pitchFamily="18" charset="0"/>
+                            <a:ea typeface="Cambria Math" panose="02040503050406030204" pitchFamily="18" charset="0"/>
+                          </a:rPr>
+                          <m:t>𝜌</m:t>
+                        </m:r>
+                      </m:e>
+                      <m:sub>
+                        <m:r>
+                          <a:rPr lang="es-ES" sz="3200" b="0" i="1" smtClean="0">
+                            <a:latin typeface="Cambria Math" panose="02040503050406030204" pitchFamily="18" charset="0"/>
+                          </a:rPr>
+                          <m:t>𝑚</m:t>
+                        </m:r>
+                      </m:sub>
+                    </m:sSub>
+                    <m:sSub>
+                      <m:sSubPr>
+                        <m:ctrlPr>
+                          <a:rPr lang="es-ES" sz="3200" b="0" i="1" smtClean="0">
+                            <a:latin typeface="Cambria Math" panose="02040503050406030204" pitchFamily="18" charset="0"/>
+                          </a:rPr>
+                        </m:ctrlPr>
+                      </m:sSubPr>
+                      <m:e>
+                        <m:r>
+                          <a:rPr lang="es-ES" sz="3200" b="0" i="1" smtClean="0">
+                            <a:latin typeface="Cambria Math" panose="02040503050406030204" pitchFamily="18" charset="0"/>
+                          </a:rPr>
+                          <m:t>𝐶</m:t>
+                        </m:r>
+                      </m:e>
+                      <m:sub>
+                        <m:r>
+                          <a:rPr lang="es-ES" sz="3200" b="0" i="1" smtClean="0">
+                            <a:latin typeface="Cambria Math" panose="02040503050406030204" pitchFamily="18" charset="0"/>
+                          </a:rPr>
+                          <m:t>𝑚</m:t>
+                        </m:r>
+                      </m:sub>
+                    </m:sSub>
+                    <m:r>
+                      <a:rPr lang="es-ES" sz="3200" b="0" i="1" smtClean="0">
+                        <a:latin typeface="Cambria Math" panose="02040503050406030204" pitchFamily="18" charset="0"/>
+                      </a:rPr>
+                      <m:t>+</m:t>
+                    </m:r>
+                    <m:r>
+                      <a:rPr lang="es-ES" sz="3200" b="0" i="1" smtClean="0">
+                        <a:latin typeface="Cambria Math" panose="02040503050406030204" pitchFamily="18" charset="0"/>
+                        <a:ea typeface="Cambria Math" panose="02040503050406030204" pitchFamily="18" charset="0"/>
+                      </a:rPr>
+                      <m:t>𝜃</m:t>
+                    </m:r>
+                    <m:sSub>
+                      <m:sSubPr>
+                        <m:ctrlPr>
+                          <a:rPr lang="es-ES" sz="3200" b="0" i="1" smtClean="0">
+                            <a:latin typeface="Cambria Math" panose="02040503050406030204" pitchFamily="18" charset="0"/>
+                            <a:ea typeface="Cambria Math" panose="02040503050406030204" pitchFamily="18" charset="0"/>
+                          </a:rPr>
+                        </m:ctrlPr>
+                      </m:sSubPr>
+                      <m:e>
+                        <m:r>
+                          <a:rPr lang="es-ES" sz="3200" b="0" i="1" smtClean="0">
+                            <a:latin typeface="Cambria Math" panose="02040503050406030204" pitchFamily="18" charset="0"/>
+                            <a:ea typeface="Cambria Math" panose="02040503050406030204" pitchFamily="18" charset="0"/>
+                          </a:rPr>
+                          <m:t>𝜌</m:t>
+                        </m:r>
+                      </m:e>
+                      <m:sub>
+                        <m:r>
+                          <a:rPr lang="es-ES" sz="3200" b="0" i="1" smtClean="0">
+                            <a:latin typeface="Cambria Math" panose="02040503050406030204" pitchFamily="18" charset="0"/>
+                            <a:ea typeface="Cambria Math" panose="02040503050406030204" pitchFamily="18" charset="0"/>
+                          </a:rPr>
+                          <m:t>𝑤</m:t>
+                        </m:r>
+                      </m:sub>
+                    </m:sSub>
+                    <m:sSub>
+                      <m:sSubPr>
+                        <m:ctrlPr>
+                          <a:rPr lang="es-ES" sz="3200" b="0" i="1" smtClean="0">
+                            <a:latin typeface="Cambria Math" panose="02040503050406030204" pitchFamily="18" charset="0"/>
+                            <a:ea typeface="Cambria Math" panose="02040503050406030204" pitchFamily="18" charset="0"/>
+                          </a:rPr>
+                        </m:ctrlPr>
+                      </m:sSubPr>
+                      <m:e>
+                        <m:r>
+                          <a:rPr lang="es-ES" sz="3200" b="0" i="1" smtClean="0">
+                            <a:latin typeface="Cambria Math" panose="02040503050406030204" pitchFamily="18" charset="0"/>
+                            <a:ea typeface="Cambria Math" panose="02040503050406030204" pitchFamily="18" charset="0"/>
+                          </a:rPr>
+                          <m:t>𝑐</m:t>
+                        </m:r>
+                      </m:e>
+                      <m:sub>
+                        <m:r>
+                          <a:rPr lang="es-ES" sz="3200" b="0" i="1" smtClean="0">
+                            <a:latin typeface="Cambria Math" panose="02040503050406030204" pitchFamily="18" charset="0"/>
+                            <a:ea typeface="Cambria Math" panose="02040503050406030204" pitchFamily="18" charset="0"/>
+                          </a:rPr>
+                          <m:t>𝑤</m:t>
+                        </m:r>
+                      </m:sub>
+                    </m:sSub>
+                    <m:r>
+                      <a:rPr lang="es-ES" sz="3200" b="0" i="1" smtClean="0">
+                        <a:latin typeface="Cambria Math" panose="02040503050406030204" pitchFamily="18" charset="0"/>
+                        <a:ea typeface="Cambria Math" panose="02040503050406030204" pitchFamily="18" charset="0"/>
+                      </a:rPr>
+                      <m:t>+</m:t>
+                    </m:r>
+                  </m:oMath>
+                </a14:m>
+                <a:r>
+                  <a:rPr lang="es-ES" sz="3200" b="0" dirty="0"/>
+                  <a:t> </a:t>
+                </a:r>
+                <a14:m>
+                  <m:oMath xmlns:m="http://schemas.openxmlformats.org/officeDocument/2006/math">
+                    <m:sSub>
+                      <m:sSubPr>
+                        <m:ctrlPr>
+                          <a:rPr lang="es-ES" sz="3200" b="0" i="1" smtClean="0">
+                            <a:latin typeface="Cambria Math" panose="02040503050406030204" pitchFamily="18" charset="0"/>
+                          </a:rPr>
+                        </m:ctrlPr>
+                      </m:sSubPr>
+                      <m:e>
+                        <m:r>
+                          <a:rPr lang="es-ES" sz="3200" b="0" i="1" smtClean="0">
+                            <a:latin typeface="Cambria Math" panose="02040503050406030204" pitchFamily="18" charset="0"/>
+                            <a:ea typeface="Cambria Math" panose="02040503050406030204" pitchFamily="18" charset="0"/>
+                          </a:rPr>
+                          <m:t>𝜙</m:t>
+                        </m:r>
+                      </m:e>
+                      <m:sub>
+                        <m:r>
+                          <a:rPr lang="es-ES" sz="3200" b="0" i="1" smtClean="0">
+                            <a:latin typeface="Cambria Math" panose="02040503050406030204" pitchFamily="18" charset="0"/>
+                            <a:ea typeface="Cambria Math" panose="02040503050406030204" pitchFamily="18" charset="0"/>
+                          </a:rPr>
+                          <m:t>𝑜</m:t>
+                        </m:r>
+                      </m:sub>
+                    </m:sSub>
+                    <m:sSub>
+                      <m:sSubPr>
+                        <m:ctrlPr>
+                          <a:rPr lang="es-ES" sz="3200" b="0" i="1" smtClean="0">
+                            <a:latin typeface="Cambria Math" panose="02040503050406030204" pitchFamily="18" charset="0"/>
+                          </a:rPr>
+                        </m:ctrlPr>
+                      </m:sSubPr>
+                      <m:e>
+                        <m:r>
+                          <a:rPr lang="es-ES" sz="3200" b="0" i="1" smtClean="0">
+                            <a:latin typeface="Cambria Math" panose="02040503050406030204" pitchFamily="18" charset="0"/>
+                            <a:ea typeface="Cambria Math" panose="02040503050406030204" pitchFamily="18" charset="0"/>
+                          </a:rPr>
+                          <m:t>𝜌</m:t>
+                        </m:r>
+                      </m:e>
+                      <m:sub>
+                        <m:r>
+                          <a:rPr lang="es-ES" sz="3200" b="0" i="1" smtClean="0">
+                            <a:latin typeface="Cambria Math" panose="02040503050406030204" pitchFamily="18" charset="0"/>
+                          </a:rPr>
+                          <m:t>𝑜</m:t>
+                        </m:r>
+                      </m:sub>
+                    </m:sSub>
+                    <m:sSub>
+                      <m:sSubPr>
+                        <m:ctrlPr>
+                          <a:rPr lang="es-ES" sz="3200" b="0" i="1" smtClean="0">
+                            <a:latin typeface="Cambria Math" panose="02040503050406030204" pitchFamily="18" charset="0"/>
+                          </a:rPr>
+                        </m:ctrlPr>
+                      </m:sSubPr>
+                      <m:e>
+                        <m:r>
+                          <a:rPr lang="es-ES" sz="3200" b="0" i="1" smtClean="0">
+                            <a:latin typeface="Cambria Math" panose="02040503050406030204" pitchFamily="18" charset="0"/>
+                          </a:rPr>
+                          <m:t>𝐶</m:t>
+                        </m:r>
+                      </m:e>
+                      <m:sub>
+                        <m:r>
+                          <a:rPr lang="es-ES" sz="3200" b="0" i="1" smtClean="0">
+                            <a:latin typeface="Cambria Math" panose="02040503050406030204" pitchFamily="18" charset="0"/>
+                          </a:rPr>
+                          <m:t>𝑜</m:t>
+                        </m:r>
+                      </m:sub>
+                    </m:sSub>
+                  </m:oMath>
+                </a14:m>
+                <a:endParaRPr lang="en-US" sz="3200" dirty="0"/>
+              </a:p>
+            </p:txBody>
+          </p:sp>
+        </mc:Choice>
+        <mc:Fallback>
+          <p:sp>
+            <p:nvSpPr>
+              <p:cNvPr id="4" name="TextBox 3">
+                <a:extLst>
+                  <a:ext uri="{FF2B5EF4-FFF2-40B4-BE49-F238E27FC236}">
+                    <a16:creationId xmlns:a16="http://schemas.microsoft.com/office/drawing/2014/main" id="{6FD335E9-62D0-9B01-A1AC-DB41C6D3EC3A}"/>
+                  </a:ext>
+                </a:extLst>
+              </p:cNvPr>
+              <p:cNvSpPr txBox="1">
+                <a:spLocks noRot="1" noChangeAspect="1" noMove="1" noResize="1" noEditPoints="1" noAdjustHandles="1" noChangeArrowheads="1" noChangeShapeType="1" noTextEdit="1"/>
+              </p:cNvSpPr>
+              <p:nvPr/>
+            </p:nvSpPr>
+            <p:spPr>
+              <a:xfrm>
+                <a:off x="2886075" y="2201405"/>
+                <a:ext cx="7443787" cy="492443"/>
+              </a:xfrm>
+              <a:prstGeom prst="rect">
+                <a:avLst/>
+              </a:prstGeom>
+              <a:blipFill>
+                <a:blip r:embed="rId2"/>
+                <a:stretch>
+                  <a:fillRect l="-1874" t="-7500" b="-35000"/>
+                </a:stretch>
+              </a:blipFill>
+            </p:spPr>
+            <p:txBody>
+              <a:bodyPr/>
+              <a:lstStyle/>
+              <a:p>
+                <a:r>
+                  <a:rPr lang="en-US">
+                    <a:noFill/>
+                  </a:rPr>
+                  <a:t> </a:t>
+                </a:r>
+              </a:p>
+            </p:txBody>
+          </p:sp>
+        </mc:Fallback>
+      </mc:AlternateContent>
+      <p:pic>
+        <p:nvPicPr>
+          <p:cNvPr id="6" name="Picture 5">
+            <a:extLst>
+              <a:ext uri="{FF2B5EF4-FFF2-40B4-BE49-F238E27FC236}">
+                <a16:creationId xmlns:a16="http://schemas.microsoft.com/office/drawing/2014/main" id="{D8BE2308-A2D6-7FC6-807A-B16F1E0FC79B}"/>
+              </a:ext>
+            </a:extLst>
+          </p:cNvPr>
+          <p:cNvPicPr>
+            <a:picLocks noChangeAspect="1"/>
+          </p:cNvPicPr>
+          <p:nvPr/>
+        </p:nvPicPr>
+        <p:blipFill>
+          <a:blip r:embed="rId3"/>
+          <a:stretch>
+            <a:fillRect/>
+          </a:stretch>
+        </p:blipFill>
+        <p:spPr>
+          <a:xfrm>
+            <a:off x="2520951" y="3137890"/>
+            <a:ext cx="7443787" cy="3475953"/>
+          </a:xfrm>
+          <a:prstGeom prst="rect">
+            <a:avLst/>
+          </a:prstGeom>
+        </p:spPr>
+      </p:pic>
     </p:spTree>
     <p:extLst>
       <p:ext uri="{BB962C8B-B14F-4D97-AF65-F5344CB8AC3E}">
-        <p14:creationId xmlns:p14="http://schemas.microsoft.com/office/powerpoint/2010/main" val="2837894819"/>
+        <p14:creationId xmlns:p14="http://schemas.microsoft.com/office/powerpoint/2010/main" val="1086546415"/>
       </p:ext>
     </p:extLst>
   </p:cSld>
@@ -3847,10 +4064,305 @@
           <a:chExt cx="0" cy="0"/>
         </a:xfrm>
       </p:grpSpPr>
+      <p:sp>
+        <p:nvSpPr>
+          <p:cNvPr id="2" name="Title 1">
+            <a:extLst>
+              <a:ext uri="{FF2B5EF4-FFF2-40B4-BE49-F238E27FC236}">
+                <a16:creationId xmlns:a16="http://schemas.microsoft.com/office/drawing/2014/main" id="{725F41A3-9601-942D-A18D-18A156AECB38}"/>
+              </a:ext>
+            </a:extLst>
+          </p:cNvPr>
+          <p:cNvSpPr>
+            <a:spLocks noGrp="1"/>
+          </p:cNvSpPr>
+          <p:nvPr>
+            <p:ph type="title"/>
+          </p:nvPr>
+        </p:nvSpPr>
+        <p:spPr/>
+        <p:txBody>
+          <a:bodyPr/>
+          <a:lstStyle/>
+          <a:p>
+            <a:r>
+              <a:rPr lang="en-US" dirty="0" err="1"/>
+              <a:t>Práctico</a:t>
+            </a:r>
+            <a:r>
+              <a:rPr lang="en-US" dirty="0"/>
+              <a:t> (</a:t>
+            </a:r>
+            <a:r>
+              <a:rPr lang="en-US" dirty="0" err="1"/>
+              <a:t>Introdución</a:t>
+            </a:r>
+            <a:r>
+              <a:rPr lang="en-US" dirty="0"/>
+              <a:t> a R)</a:t>
+            </a:r>
+          </a:p>
+        </p:txBody>
+      </p:sp>
+      <p:sp>
+        <p:nvSpPr>
+          <p:cNvPr id="3" name="Content Placeholder 2">
+            <a:extLst>
+              <a:ext uri="{FF2B5EF4-FFF2-40B4-BE49-F238E27FC236}">
+                <a16:creationId xmlns:a16="http://schemas.microsoft.com/office/drawing/2014/main" id="{302CF995-73C8-8C1C-2BE6-EA29909E2AC7}"/>
+              </a:ext>
+            </a:extLst>
+          </p:cNvPr>
+          <p:cNvSpPr>
+            <a:spLocks noGrp="1"/>
+          </p:cNvSpPr>
+          <p:nvPr>
+            <p:ph idx="1"/>
+          </p:nvPr>
+        </p:nvSpPr>
+        <p:spPr/>
+        <p:txBody>
+          <a:bodyPr>
+            <a:normAutofit lnSpcReduction="10000"/>
+          </a:bodyPr>
+          <a:lstStyle/>
+          <a:p>
+            <a:r>
+              <a:rPr lang="en-US" dirty="0"/>
+              <a:t>Por </a:t>
+            </a:r>
+            <a:r>
+              <a:rPr lang="en-US" dirty="0" err="1"/>
+              <a:t>qué</a:t>
+            </a:r>
+            <a:r>
+              <a:rPr lang="en-US" dirty="0"/>
+              <a:t> R?</a:t>
+            </a:r>
+          </a:p>
+          <a:p>
+            <a:pPr marL="0" indent="0">
+              <a:buNone/>
+            </a:pPr>
+            <a:endParaRPr lang="en-US" dirty="0"/>
+          </a:p>
+          <a:p>
+            <a:r>
+              <a:rPr lang="en-US" dirty="0" err="1"/>
+              <a:t>Donde</a:t>
+            </a:r>
+            <a:r>
+              <a:rPr lang="en-US" dirty="0"/>
+              <a:t> </a:t>
+            </a:r>
+            <a:r>
+              <a:rPr lang="en-US" dirty="0" err="1"/>
+              <a:t>Bajarlo</a:t>
+            </a:r>
+            <a:r>
+              <a:rPr lang="en-US" dirty="0"/>
+              <a:t>???? (</a:t>
+            </a:r>
+            <a:r>
+              <a:rPr lang="en-US" dirty="0" err="1"/>
+              <a:t>Necesitamos</a:t>
+            </a:r>
+            <a:r>
+              <a:rPr lang="en-US" dirty="0"/>
+              <a:t> </a:t>
+            </a:r>
+            <a:r>
+              <a:rPr lang="en-US" dirty="0" err="1"/>
+              <a:t>bajar</a:t>
+            </a:r>
+            <a:r>
+              <a:rPr lang="en-US" dirty="0"/>
+              <a:t> 2 </a:t>
+            </a:r>
+            <a:r>
+              <a:rPr lang="en-US" dirty="0" err="1"/>
+              <a:t>cosas</a:t>
+            </a:r>
+            <a:r>
+              <a:rPr lang="en-US" dirty="0"/>
+              <a:t>!!! R Project (la </a:t>
+            </a:r>
+            <a:r>
+              <a:rPr lang="en-US" dirty="0" err="1"/>
+              <a:t>Maquina</a:t>
+            </a:r>
+            <a:r>
+              <a:rPr lang="en-US" dirty="0"/>
+              <a:t> </a:t>
+            </a:r>
+            <a:r>
+              <a:rPr lang="en-US" dirty="0" err="1"/>
+              <a:t>detras</a:t>
+            </a:r>
+            <a:r>
+              <a:rPr lang="en-US" dirty="0"/>
+              <a:t> o </a:t>
+            </a:r>
+            <a:r>
+              <a:rPr lang="en-US" dirty="0" err="1"/>
+              <a:t>Compilador</a:t>
+            </a:r>
+            <a:r>
+              <a:rPr lang="en-US" dirty="0"/>
+              <a:t>) y R Studio (</a:t>
+            </a:r>
+            <a:r>
+              <a:rPr lang="en-US" dirty="0" err="1"/>
+              <a:t>Interfase</a:t>
+            </a:r>
+            <a:r>
+              <a:rPr lang="en-US" dirty="0"/>
+              <a:t> </a:t>
+            </a:r>
+            <a:r>
+              <a:rPr lang="en-US" dirty="0" err="1"/>
+              <a:t>donde</a:t>
+            </a:r>
+            <a:r>
+              <a:rPr lang="en-US" dirty="0"/>
+              <a:t> Podemos </a:t>
+            </a:r>
+            <a:r>
+              <a:rPr lang="en-US" dirty="0" err="1"/>
+              <a:t>ver</a:t>
+            </a:r>
+            <a:r>
+              <a:rPr lang="en-US" dirty="0"/>
+              <a:t> </a:t>
+            </a:r>
+            <a:r>
+              <a:rPr lang="en-US" dirty="0" err="1"/>
+              <a:t>nuestro</a:t>
+            </a:r>
+            <a:r>
+              <a:rPr lang="en-US" dirty="0"/>
+              <a:t> </a:t>
+            </a:r>
+            <a:r>
+              <a:rPr lang="en-US" dirty="0" err="1"/>
+              <a:t>codigo</a:t>
+            </a:r>
+            <a:r>
+              <a:rPr lang="en-US" dirty="0"/>
+              <a:t>). </a:t>
+            </a:r>
+            <a:r>
+              <a:rPr lang="en-US" dirty="0" err="1"/>
+              <a:t>Buscar</a:t>
+            </a:r>
+            <a:r>
+              <a:rPr lang="en-US" dirty="0"/>
+              <a:t> </a:t>
+            </a:r>
+            <a:r>
+              <a:rPr lang="en-US" dirty="0" err="1"/>
+              <a:t>en</a:t>
+            </a:r>
+            <a:r>
+              <a:rPr lang="en-US" dirty="0"/>
+              <a:t> Google</a:t>
+            </a:r>
+          </a:p>
+          <a:p>
+            <a:endParaRPr lang="en-US" dirty="0"/>
+          </a:p>
+          <a:p>
+            <a:r>
+              <a:rPr lang="en-US" dirty="0" err="1"/>
+              <a:t>Ir</a:t>
+            </a:r>
+            <a:r>
+              <a:rPr lang="en-US" dirty="0"/>
+              <a:t> a </a:t>
+            </a:r>
+            <a:r>
+              <a:rPr lang="en-US" dirty="0">
+                <a:hlinkClick r:id="rId2"/>
+              </a:rPr>
+              <a:t>www.github.com/nicolasraabramm</a:t>
+            </a:r>
+            <a:endParaRPr lang="en-US" dirty="0"/>
+          </a:p>
+          <a:p>
+            <a:endParaRPr lang="en-US" dirty="0"/>
+          </a:p>
+          <a:p>
+            <a:r>
+              <a:rPr lang="en-US" dirty="0" err="1"/>
+              <a:t>Ir</a:t>
+            </a:r>
+            <a:r>
+              <a:rPr lang="en-US" dirty="0"/>
+              <a:t> al </a:t>
+            </a:r>
+            <a:r>
+              <a:rPr lang="en-US" dirty="0" err="1"/>
+              <a:t>repositorio</a:t>
+            </a:r>
+            <a:r>
+              <a:rPr lang="en-US" dirty="0"/>
+              <a:t> </a:t>
+            </a:r>
+            <a:r>
+              <a:rPr lang="en-US" i="1" dirty="0" err="1"/>
+              <a:t>BiometeoroligiaR</a:t>
+            </a:r>
+            <a:r>
+              <a:rPr lang="en-US" dirty="0"/>
+              <a:t> y </a:t>
+            </a:r>
+            <a:r>
+              <a:rPr lang="en-US" dirty="0" err="1"/>
+              <a:t>buscar</a:t>
+            </a:r>
+            <a:r>
+              <a:rPr lang="en-US" dirty="0"/>
+              <a:t> </a:t>
+            </a:r>
+            <a:r>
+              <a:rPr lang="en-US" dirty="0" err="1"/>
+              <a:t>el</a:t>
+            </a:r>
+            <a:r>
+              <a:rPr lang="en-US" dirty="0"/>
+              <a:t> script “</a:t>
+            </a:r>
+            <a:r>
+              <a:rPr lang="en-US" dirty="0" err="1"/>
+              <a:t>Ejemplos_SoilTemperature.R</a:t>
+            </a:r>
+            <a:r>
+              <a:rPr lang="en-US" dirty="0"/>
+              <a:t>” y la </a:t>
+            </a:r>
+            <a:r>
+              <a:rPr lang="en-US" dirty="0" err="1"/>
+              <a:t>presentacion</a:t>
+            </a:r>
+            <a:r>
+              <a:rPr lang="en-US" dirty="0"/>
+              <a:t> ppt para </a:t>
+            </a:r>
+            <a:r>
+              <a:rPr lang="en-US" dirty="0" err="1"/>
+              <a:t>descargar</a:t>
+            </a:r>
+            <a:endParaRPr lang="en-US" dirty="0"/>
+          </a:p>
+          <a:p>
+            <a:endParaRPr lang="en-US" dirty="0"/>
+          </a:p>
+        </p:txBody>
+      </p:sp>
     </p:spTree>
     <p:extLst>
       <p:ext uri="{BB962C8B-B14F-4D97-AF65-F5344CB8AC3E}">
-        <p14:creationId xmlns:p14="http://schemas.microsoft.com/office/powerpoint/2010/main" val="3204752477"/>
+        <p14:creationId xmlns:p14="http://schemas.microsoft.com/office/powerpoint/2010/main" val="2837894819"/>
       </p:ext>
     </p:extLst>
   </p:cSld>
@@ -3893,7 +4405,12 @@
             <p:ph type="title"/>
           </p:nvPr>
         </p:nvSpPr>
-        <p:spPr/>
+        <p:spPr>
+          <a:xfrm>
+            <a:off x="838200" y="-334963"/>
+            <a:ext cx="10515600" cy="1325563"/>
+          </a:xfrm>
+        </p:spPr>
         <p:txBody>
           <a:bodyPr/>
           <a:lstStyle/>
@@ -3938,8 +4455,8 @@
         </p:blipFill>
         <p:spPr bwMode="auto">
           <a:xfrm>
-            <a:off x="1885949" y="1593075"/>
-            <a:ext cx="7958137" cy="5264925"/>
+            <a:off x="1952627" y="638395"/>
+            <a:ext cx="9401173" cy="6219605"/>
           </a:xfrm>
           <a:prstGeom prst="rect">
             <a:avLst/>
@@ -4445,7 +4962,7 @@
             </a:r>
             <a:r>
               <a:rPr lang="en-US" dirty="0" err="1"/>
-              <a:t>Energia</a:t>
+              <a:t>Energía</a:t>
             </a:r>
             <a:r>
               <a:rPr lang="en-US" dirty="0"/>
@@ -5026,8 +5543,8 @@
         </p:blipFill>
         <p:spPr bwMode="auto">
           <a:xfrm>
-            <a:off x="8786812" y="466056"/>
-            <a:ext cx="3057525" cy="5341088"/>
+            <a:off x="8201026" y="466056"/>
+            <a:ext cx="3643312" cy="6364380"/>
           </a:xfrm>
           <a:prstGeom prst="rect">
             <a:avLst/>
@@ -5044,317 +5561,569 @@
           </a:extLst>
         </p:spPr>
       </p:pic>
-      <p:sp>
-        <p:nvSpPr>
-          <p:cNvPr id="5" name="Content Placeholder 2">
-            <a:extLst>
-              <a:ext uri="{FF2B5EF4-FFF2-40B4-BE49-F238E27FC236}">
-                <a16:creationId xmlns:a16="http://schemas.microsoft.com/office/drawing/2014/main" id="{171B36BE-87DA-707B-B391-D49B58616E8F}"/>
-              </a:ext>
-            </a:extLst>
-          </p:cNvPr>
-          <p:cNvSpPr txBox="1">
-            <a:spLocks/>
-          </p:cNvSpPr>
-          <p:nvPr/>
-        </p:nvSpPr>
-        <p:spPr>
-          <a:xfrm>
-            <a:off x="918411" y="1768642"/>
-            <a:ext cx="5261811" cy="1302586"/>
-          </a:xfrm>
-          <a:prstGeom prst="rect">
-            <a:avLst/>
-          </a:prstGeom>
-        </p:spPr>
-        <p:txBody>
-          <a:bodyPr vert="horz" lIns="91440" tIns="45720" rIns="91440" bIns="45720" rtlCol="0">
-            <a:normAutofit fontScale="92500" lnSpcReduction="10000"/>
-          </a:bodyPr>
-          <a:lstStyle>
-            <a:lvl1pPr marL="228600" indent="-228600" algn="l" defTabSz="914400" rtl="0" eaLnBrk="1" latinLnBrk="0" hangingPunct="1">
-              <a:lnSpc>
-                <a:spcPct val="90000"/>
-              </a:lnSpc>
-              <a:spcBef>
-                <a:spcPts val="1000"/>
-              </a:spcBef>
-              <a:buFont typeface="Arial" panose="020B0604020202020204" pitchFamily="34" charset="0"/>
-              <a:buChar char="•"/>
-              <a:defRPr sz="2800" kern="1200">
-                <a:solidFill>
-                  <a:schemeClr val="tx1"/>
-                </a:solidFill>
-                <a:latin typeface="+mn-lt"/>
-                <a:ea typeface="+mn-ea"/>
-                <a:cs typeface="+mn-cs"/>
-              </a:defRPr>
-            </a:lvl1pPr>
-            <a:lvl2pPr marL="685800" indent="-228600" algn="l" defTabSz="914400" rtl="0" eaLnBrk="1" latinLnBrk="0" hangingPunct="1">
-              <a:lnSpc>
-                <a:spcPct val="90000"/>
-              </a:lnSpc>
-              <a:spcBef>
-                <a:spcPts val="500"/>
-              </a:spcBef>
-              <a:buFont typeface="Arial" panose="020B0604020202020204" pitchFamily="34" charset="0"/>
-              <a:buChar char="•"/>
-              <a:defRPr sz="2400" kern="1200">
-                <a:solidFill>
-                  <a:schemeClr val="tx1"/>
-                </a:solidFill>
-                <a:latin typeface="+mn-lt"/>
-                <a:ea typeface="+mn-ea"/>
-                <a:cs typeface="+mn-cs"/>
-              </a:defRPr>
-            </a:lvl2pPr>
-            <a:lvl3pPr marL="1143000" indent="-228600" algn="l" defTabSz="914400" rtl="0" eaLnBrk="1" latinLnBrk="0" hangingPunct="1">
-              <a:lnSpc>
-                <a:spcPct val="90000"/>
-              </a:lnSpc>
-              <a:spcBef>
-                <a:spcPts val="500"/>
-              </a:spcBef>
-              <a:buFont typeface="Arial" panose="020B0604020202020204" pitchFamily="34" charset="0"/>
-              <a:buChar char="•"/>
-              <a:defRPr sz="2000" kern="1200">
-                <a:solidFill>
-                  <a:schemeClr val="tx1"/>
-                </a:solidFill>
-                <a:latin typeface="+mn-lt"/>
-                <a:ea typeface="+mn-ea"/>
-                <a:cs typeface="+mn-cs"/>
-              </a:defRPr>
-            </a:lvl3pPr>
-            <a:lvl4pPr marL="1600200" indent="-228600" algn="l" defTabSz="914400" rtl="0" eaLnBrk="1" latinLnBrk="0" hangingPunct="1">
-              <a:lnSpc>
-                <a:spcPct val="90000"/>
-              </a:lnSpc>
-              <a:spcBef>
-                <a:spcPts val="500"/>
-              </a:spcBef>
-              <a:buFont typeface="Arial" panose="020B0604020202020204" pitchFamily="34" charset="0"/>
-              <a:buChar char="•"/>
-              <a:defRPr sz="1800" kern="1200">
-                <a:solidFill>
-                  <a:schemeClr val="tx1"/>
-                </a:solidFill>
-                <a:latin typeface="+mn-lt"/>
-                <a:ea typeface="+mn-ea"/>
-                <a:cs typeface="+mn-cs"/>
-              </a:defRPr>
-            </a:lvl4pPr>
-            <a:lvl5pPr marL="2057400" indent="-228600" algn="l" defTabSz="914400" rtl="0" eaLnBrk="1" latinLnBrk="0" hangingPunct="1">
-              <a:lnSpc>
-                <a:spcPct val="90000"/>
-              </a:lnSpc>
-              <a:spcBef>
-                <a:spcPts val="500"/>
-              </a:spcBef>
-              <a:buFont typeface="Arial" panose="020B0604020202020204" pitchFamily="34" charset="0"/>
-              <a:buChar char="•"/>
-              <a:defRPr sz="1800" kern="1200">
-                <a:solidFill>
-                  <a:schemeClr val="tx1"/>
-                </a:solidFill>
-                <a:latin typeface="+mn-lt"/>
-                <a:ea typeface="+mn-ea"/>
-                <a:cs typeface="+mn-cs"/>
-              </a:defRPr>
-            </a:lvl5pPr>
-            <a:lvl6pPr marL="2514600" indent="-228600" algn="l" defTabSz="914400" rtl="0" eaLnBrk="1" latinLnBrk="0" hangingPunct="1">
-              <a:lnSpc>
-                <a:spcPct val="90000"/>
-              </a:lnSpc>
-              <a:spcBef>
-                <a:spcPts val="500"/>
-              </a:spcBef>
-              <a:buFont typeface="Arial" panose="020B0604020202020204" pitchFamily="34" charset="0"/>
-              <a:buChar char="•"/>
-              <a:defRPr sz="1800" kern="1200">
-                <a:solidFill>
-                  <a:schemeClr val="tx1"/>
-                </a:solidFill>
-                <a:latin typeface="+mn-lt"/>
-                <a:ea typeface="+mn-ea"/>
-                <a:cs typeface="+mn-cs"/>
-              </a:defRPr>
-            </a:lvl6pPr>
-            <a:lvl7pPr marL="2971800" indent="-228600" algn="l" defTabSz="914400" rtl="0" eaLnBrk="1" latinLnBrk="0" hangingPunct="1">
-              <a:lnSpc>
-                <a:spcPct val="90000"/>
-              </a:lnSpc>
-              <a:spcBef>
-                <a:spcPts val="500"/>
-              </a:spcBef>
-              <a:buFont typeface="Arial" panose="020B0604020202020204" pitchFamily="34" charset="0"/>
-              <a:buChar char="•"/>
-              <a:defRPr sz="1800" kern="1200">
-                <a:solidFill>
-                  <a:schemeClr val="tx1"/>
-                </a:solidFill>
-                <a:latin typeface="+mn-lt"/>
-                <a:ea typeface="+mn-ea"/>
-                <a:cs typeface="+mn-cs"/>
-              </a:defRPr>
-            </a:lvl7pPr>
-            <a:lvl8pPr marL="3429000" indent="-228600" algn="l" defTabSz="914400" rtl="0" eaLnBrk="1" latinLnBrk="0" hangingPunct="1">
-              <a:lnSpc>
-                <a:spcPct val="90000"/>
-              </a:lnSpc>
-              <a:spcBef>
-                <a:spcPts val="500"/>
-              </a:spcBef>
-              <a:buFont typeface="Arial" panose="020B0604020202020204" pitchFamily="34" charset="0"/>
-              <a:buChar char="•"/>
-              <a:defRPr sz="1800" kern="1200">
-                <a:solidFill>
-                  <a:schemeClr val="tx1"/>
-                </a:solidFill>
-                <a:latin typeface="+mn-lt"/>
-                <a:ea typeface="+mn-ea"/>
-                <a:cs typeface="+mn-cs"/>
-              </a:defRPr>
-            </a:lvl8pPr>
-            <a:lvl9pPr marL="3886200" indent="-228600" algn="l" defTabSz="914400" rtl="0" eaLnBrk="1" latinLnBrk="0" hangingPunct="1">
-              <a:lnSpc>
-                <a:spcPct val="90000"/>
-              </a:lnSpc>
-              <a:spcBef>
-                <a:spcPts val="500"/>
-              </a:spcBef>
-              <a:buFont typeface="Arial" panose="020B0604020202020204" pitchFamily="34" charset="0"/>
-              <a:buChar char="•"/>
-              <a:defRPr sz="1800" kern="1200">
-                <a:solidFill>
-                  <a:schemeClr val="tx1"/>
-                </a:solidFill>
-                <a:latin typeface="+mn-lt"/>
-                <a:ea typeface="+mn-ea"/>
-                <a:cs typeface="+mn-cs"/>
-              </a:defRPr>
-            </a:lvl9pPr>
-          </a:lstStyle>
-          <a:p>
-            <a:pPr marL="0" indent="0">
-              <a:buFont typeface="Arial" panose="020B0604020202020204" pitchFamily="34" charset="0"/>
-              <a:buNone/>
-            </a:pPr>
-            <a:r>
-              <a:rPr lang="en-US" dirty="0"/>
-              <a:t>-</a:t>
-            </a:r>
-            <a:r>
-              <a:rPr lang="en-US" dirty="0" err="1"/>
-              <a:t>Conducción</a:t>
-            </a:r>
-            <a:r>
-              <a:rPr lang="en-US" dirty="0"/>
-              <a:t> (G)</a:t>
-            </a:r>
-          </a:p>
-          <a:p>
-            <a:pPr marL="0" indent="0">
-              <a:buFont typeface="Arial" panose="020B0604020202020204" pitchFamily="34" charset="0"/>
-              <a:buNone/>
-            </a:pPr>
-            <a:r>
-              <a:rPr lang="en-US" dirty="0"/>
-              <a:t>-</a:t>
-            </a:r>
-            <a:r>
-              <a:rPr lang="en-US" dirty="0" err="1"/>
-              <a:t>Turbulento</a:t>
-            </a:r>
-            <a:r>
-              <a:rPr lang="en-US" dirty="0"/>
-              <a:t> (H + LE)</a:t>
-            </a:r>
-          </a:p>
-          <a:p>
-            <a:pPr marL="0" indent="0">
-              <a:buFont typeface="Arial" panose="020B0604020202020204" pitchFamily="34" charset="0"/>
-              <a:buNone/>
-            </a:pPr>
-            <a:r>
-              <a:rPr lang="en-US" dirty="0"/>
-              <a:t>-</a:t>
-            </a:r>
-            <a:r>
-              <a:rPr lang="en-US" dirty="0" err="1"/>
-              <a:t>Bioquímico</a:t>
-            </a:r>
-            <a:r>
-              <a:rPr lang="en-US" dirty="0"/>
-              <a:t> (</a:t>
-            </a:r>
-            <a:r>
-              <a:rPr lang="en-US" dirty="0" err="1"/>
-              <a:t>Pn</a:t>
-            </a:r>
-            <a:r>
-              <a:rPr lang="en-US" dirty="0"/>
-              <a:t>)</a:t>
-            </a:r>
-          </a:p>
-          <a:p>
-            <a:pPr marL="0" indent="0">
-              <a:buFont typeface="Arial" panose="020B0604020202020204" pitchFamily="34" charset="0"/>
-              <a:buNone/>
-            </a:pPr>
-            <a:endParaRPr lang="en-US" dirty="0"/>
-          </a:p>
-        </p:txBody>
-      </p:sp>
-      <p:sp>
-        <p:nvSpPr>
-          <p:cNvPr id="6" name="Right Brace 5">
-            <a:extLst>
-              <a:ext uri="{FF2B5EF4-FFF2-40B4-BE49-F238E27FC236}">
-                <a16:creationId xmlns:a16="http://schemas.microsoft.com/office/drawing/2014/main" id="{10756D5E-4738-2BF3-DEED-E40E489AF3BD}"/>
-              </a:ext>
-            </a:extLst>
-          </p:cNvPr>
-          <p:cNvSpPr/>
-          <p:nvPr/>
-        </p:nvSpPr>
-        <p:spPr>
-          <a:xfrm>
-            <a:off x="3986213" y="1768642"/>
-            <a:ext cx="330717" cy="1302586"/>
-          </a:xfrm>
-          <a:prstGeom prst="rightBrace">
-            <a:avLst/>
-          </a:prstGeom>
-          <a:ln w="57150">
-            <a:solidFill>
-              <a:schemeClr val="tx1"/>
-            </a:solidFill>
-          </a:ln>
-        </p:spPr>
-        <p:style>
-          <a:lnRef idx="1">
-            <a:schemeClr val="accent1"/>
-          </a:lnRef>
-          <a:fillRef idx="0">
-            <a:schemeClr val="accent1"/>
-          </a:fillRef>
-          <a:effectRef idx="0">
-            <a:schemeClr val="accent1"/>
-          </a:effectRef>
-          <a:fontRef idx="minor">
-            <a:schemeClr val="tx1"/>
-          </a:fontRef>
-        </p:style>
-        <p:txBody>
-          <a:bodyPr rtlCol="0" anchor="ctr"/>
-          <a:lstStyle/>
-          <a:p>
-            <a:pPr algn="ctr"/>
-            <a:endParaRPr lang="en-US"/>
-          </a:p>
-        </p:txBody>
-      </p:sp>
+      <mc:AlternateContent xmlns:mc="http://schemas.openxmlformats.org/markup-compatibility/2006">
+        <mc:Choice xmlns:a14="http://schemas.microsoft.com/office/drawing/2010/main" Requires="a14">
+          <p:sp>
+            <p:nvSpPr>
+              <p:cNvPr id="5" name="Content Placeholder 2">
+                <a:extLst>
+                  <a:ext uri="{FF2B5EF4-FFF2-40B4-BE49-F238E27FC236}">
+                    <a16:creationId xmlns:a16="http://schemas.microsoft.com/office/drawing/2014/main" id="{171B36BE-87DA-707B-B391-D49B58616E8F}"/>
+                  </a:ext>
+                </a:extLst>
+              </p:cNvPr>
+              <p:cNvSpPr txBox="1">
+                <a:spLocks/>
+              </p:cNvSpPr>
+              <p:nvPr/>
+            </p:nvSpPr>
+            <p:spPr>
+              <a:xfrm>
+                <a:off x="918411" y="1768641"/>
+                <a:ext cx="5525252" cy="4946483"/>
+              </a:xfrm>
+              <a:prstGeom prst="rect">
+                <a:avLst/>
+              </a:prstGeom>
+            </p:spPr>
+            <p:txBody>
+              <a:bodyPr vert="horz" lIns="91440" tIns="45720" rIns="91440" bIns="45720" rtlCol="0">
+                <a:normAutofit/>
+              </a:bodyPr>
+              <a:lstStyle>
+                <a:lvl1pPr marL="228600" indent="-228600" algn="l" defTabSz="914400" rtl="0" eaLnBrk="1" latinLnBrk="0" hangingPunct="1">
+                  <a:lnSpc>
+                    <a:spcPct val="90000"/>
+                  </a:lnSpc>
+                  <a:spcBef>
+                    <a:spcPts val="1000"/>
+                  </a:spcBef>
+                  <a:buFont typeface="Arial" panose="020B0604020202020204" pitchFamily="34" charset="0"/>
+                  <a:buChar char="•"/>
+                  <a:defRPr sz="2800" kern="1200">
+                    <a:solidFill>
+                      <a:schemeClr val="tx1"/>
+                    </a:solidFill>
+                    <a:latin typeface="+mn-lt"/>
+                    <a:ea typeface="+mn-ea"/>
+                    <a:cs typeface="+mn-cs"/>
+                  </a:defRPr>
+                </a:lvl1pPr>
+                <a:lvl2pPr marL="685800" indent="-228600" algn="l" defTabSz="914400" rtl="0" eaLnBrk="1" latinLnBrk="0" hangingPunct="1">
+                  <a:lnSpc>
+                    <a:spcPct val="90000"/>
+                  </a:lnSpc>
+                  <a:spcBef>
+                    <a:spcPts val="500"/>
+                  </a:spcBef>
+                  <a:buFont typeface="Arial" panose="020B0604020202020204" pitchFamily="34" charset="0"/>
+                  <a:buChar char="•"/>
+                  <a:defRPr sz="2400" kern="1200">
+                    <a:solidFill>
+                      <a:schemeClr val="tx1"/>
+                    </a:solidFill>
+                    <a:latin typeface="+mn-lt"/>
+                    <a:ea typeface="+mn-ea"/>
+                    <a:cs typeface="+mn-cs"/>
+                  </a:defRPr>
+                </a:lvl2pPr>
+                <a:lvl3pPr marL="1143000" indent="-228600" algn="l" defTabSz="914400" rtl="0" eaLnBrk="1" latinLnBrk="0" hangingPunct="1">
+                  <a:lnSpc>
+                    <a:spcPct val="90000"/>
+                  </a:lnSpc>
+                  <a:spcBef>
+                    <a:spcPts val="500"/>
+                  </a:spcBef>
+                  <a:buFont typeface="Arial" panose="020B0604020202020204" pitchFamily="34" charset="0"/>
+                  <a:buChar char="•"/>
+                  <a:defRPr sz="2000" kern="1200">
+                    <a:solidFill>
+                      <a:schemeClr val="tx1"/>
+                    </a:solidFill>
+                    <a:latin typeface="+mn-lt"/>
+                    <a:ea typeface="+mn-ea"/>
+                    <a:cs typeface="+mn-cs"/>
+                  </a:defRPr>
+                </a:lvl3pPr>
+                <a:lvl4pPr marL="1600200" indent="-228600" algn="l" defTabSz="914400" rtl="0" eaLnBrk="1" latinLnBrk="0" hangingPunct="1">
+                  <a:lnSpc>
+                    <a:spcPct val="90000"/>
+                  </a:lnSpc>
+                  <a:spcBef>
+                    <a:spcPts val="500"/>
+                  </a:spcBef>
+                  <a:buFont typeface="Arial" panose="020B0604020202020204" pitchFamily="34" charset="0"/>
+                  <a:buChar char="•"/>
+                  <a:defRPr sz="1800" kern="1200">
+                    <a:solidFill>
+                      <a:schemeClr val="tx1"/>
+                    </a:solidFill>
+                    <a:latin typeface="+mn-lt"/>
+                    <a:ea typeface="+mn-ea"/>
+                    <a:cs typeface="+mn-cs"/>
+                  </a:defRPr>
+                </a:lvl4pPr>
+                <a:lvl5pPr marL="2057400" indent="-228600" algn="l" defTabSz="914400" rtl="0" eaLnBrk="1" latinLnBrk="0" hangingPunct="1">
+                  <a:lnSpc>
+                    <a:spcPct val="90000"/>
+                  </a:lnSpc>
+                  <a:spcBef>
+                    <a:spcPts val="500"/>
+                  </a:spcBef>
+                  <a:buFont typeface="Arial" panose="020B0604020202020204" pitchFamily="34" charset="0"/>
+                  <a:buChar char="•"/>
+                  <a:defRPr sz="1800" kern="1200">
+                    <a:solidFill>
+                      <a:schemeClr val="tx1"/>
+                    </a:solidFill>
+                    <a:latin typeface="+mn-lt"/>
+                    <a:ea typeface="+mn-ea"/>
+                    <a:cs typeface="+mn-cs"/>
+                  </a:defRPr>
+                </a:lvl5pPr>
+                <a:lvl6pPr marL="2514600" indent="-228600" algn="l" defTabSz="914400" rtl="0" eaLnBrk="1" latinLnBrk="0" hangingPunct="1">
+                  <a:lnSpc>
+                    <a:spcPct val="90000"/>
+                  </a:lnSpc>
+                  <a:spcBef>
+                    <a:spcPts val="500"/>
+                  </a:spcBef>
+                  <a:buFont typeface="Arial" panose="020B0604020202020204" pitchFamily="34" charset="0"/>
+                  <a:buChar char="•"/>
+                  <a:defRPr sz="1800" kern="1200">
+                    <a:solidFill>
+                      <a:schemeClr val="tx1"/>
+                    </a:solidFill>
+                    <a:latin typeface="+mn-lt"/>
+                    <a:ea typeface="+mn-ea"/>
+                    <a:cs typeface="+mn-cs"/>
+                  </a:defRPr>
+                </a:lvl6pPr>
+                <a:lvl7pPr marL="2971800" indent="-228600" algn="l" defTabSz="914400" rtl="0" eaLnBrk="1" latinLnBrk="0" hangingPunct="1">
+                  <a:lnSpc>
+                    <a:spcPct val="90000"/>
+                  </a:lnSpc>
+                  <a:spcBef>
+                    <a:spcPts val="500"/>
+                  </a:spcBef>
+                  <a:buFont typeface="Arial" panose="020B0604020202020204" pitchFamily="34" charset="0"/>
+                  <a:buChar char="•"/>
+                  <a:defRPr sz="1800" kern="1200">
+                    <a:solidFill>
+                      <a:schemeClr val="tx1"/>
+                    </a:solidFill>
+                    <a:latin typeface="+mn-lt"/>
+                    <a:ea typeface="+mn-ea"/>
+                    <a:cs typeface="+mn-cs"/>
+                  </a:defRPr>
+                </a:lvl7pPr>
+                <a:lvl8pPr marL="3429000" indent="-228600" algn="l" defTabSz="914400" rtl="0" eaLnBrk="1" latinLnBrk="0" hangingPunct="1">
+                  <a:lnSpc>
+                    <a:spcPct val="90000"/>
+                  </a:lnSpc>
+                  <a:spcBef>
+                    <a:spcPts val="500"/>
+                  </a:spcBef>
+                  <a:buFont typeface="Arial" panose="020B0604020202020204" pitchFamily="34" charset="0"/>
+                  <a:buChar char="•"/>
+                  <a:defRPr sz="1800" kern="1200">
+                    <a:solidFill>
+                      <a:schemeClr val="tx1"/>
+                    </a:solidFill>
+                    <a:latin typeface="+mn-lt"/>
+                    <a:ea typeface="+mn-ea"/>
+                    <a:cs typeface="+mn-cs"/>
+                  </a:defRPr>
+                </a:lvl8pPr>
+                <a:lvl9pPr marL="3886200" indent="-228600" algn="l" defTabSz="914400" rtl="0" eaLnBrk="1" latinLnBrk="0" hangingPunct="1">
+                  <a:lnSpc>
+                    <a:spcPct val="90000"/>
+                  </a:lnSpc>
+                  <a:spcBef>
+                    <a:spcPts val="500"/>
+                  </a:spcBef>
+                  <a:buFont typeface="Arial" panose="020B0604020202020204" pitchFamily="34" charset="0"/>
+                  <a:buChar char="•"/>
+                  <a:defRPr sz="1800" kern="1200">
+                    <a:solidFill>
+                      <a:schemeClr val="tx1"/>
+                    </a:solidFill>
+                    <a:latin typeface="+mn-lt"/>
+                    <a:ea typeface="+mn-ea"/>
+                    <a:cs typeface="+mn-cs"/>
+                  </a:defRPr>
+                </a:lvl9pPr>
+              </a:lstStyle>
+              <a:p>
+                <a:pPr marL="0" indent="0">
+                  <a:buFont typeface="Arial" panose="020B0604020202020204" pitchFamily="34" charset="0"/>
+                  <a:buNone/>
+                </a:pPr>
+                <a:r>
+                  <a:rPr lang="en-US" dirty="0"/>
+                  <a:t>-</a:t>
+                </a:r>
+                <a:r>
+                  <a:rPr lang="en-US" dirty="0" err="1"/>
+                  <a:t>Conducción</a:t>
+                </a:r>
+                <a:r>
+                  <a:rPr lang="en-US" dirty="0"/>
+                  <a:t> (G y H)</a:t>
+                </a:r>
+              </a:p>
+              <a:p>
+                <a:pPr marL="0" indent="0">
+                  <a:buFont typeface="Arial" panose="020B0604020202020204" pitchFamily="34" charset="0"/>
+                  <a:buNone/>
+                </a:pPr>
+                <a:r>
+                  <a:rPr lang="en-US" dirty="0"/>
+                  <a:t>Ley de Fourier </a:t>
+                </a:r>
+              </a:p>
+              <a:p>
+                <a:pPr marL="0" indent="0">
+                  <a:buFont typeface="Arial" panose="020B0604020202020204" pitchFamily="34" charset="0"/>
+                  <a:buNone/>
+                </a:pPr>
+                <a14:m>
+                  <m:oMathPara xmlns:m="http://schemas.openxmlformats.org/officeDocument/2006/math">
+                    <m:oMathParaPr>
+                      <m:jc m:val="centerGroup"/>
+                    </m:oMathParaPr>
+                    <m:oMath xmlns:m="http://schemas.openxmlformats.org/officeDocument/2006/math">
+                      <m:r>
+                        <a:rPr lang="en-US" b="0" i="1" smtClean="0">
+                          <a:latin typeface="Cambria Math" panose="02040503050406030204" pitchFamily="18" charset="0"/>
+                        </a:rPr>
+                        <m:t>𝐻</m:t>
+                      </m:r>
+                      <m:r>
+                        <a:rPr lang="en-US" b="0" i="1" smtClean="0">
+                          <a:latin typeface="Cambria Math" panose="02040503050406030204" pitchFamily="18" charset="0"/>
+                        </a:rPr>
+                        <m:t>=−</m:t>
+                      </m:r>
+                      <m:r>
+                        <a:rPr lang="en-US" b="0" i="1" smtClean="0">
+                          <a:latin typeface="Cambria Math" panose="02040503050406030204" pitchFamily="18" charset="0"/>
+                        </a:rPr>
+                        <m:t>𝑘</m:t>
+                      </m:r>
+                      <m:r>
+                        <a:rPr lang="en-US" b="0" i="1" smtClean="0">
+                          <a:latin typeface="Cambria Math" panose="02040503050406030204" pitchFamily="18" charset="0"/>
+                        </a:rPr>
+                        <m:t> </m:t>
+                      </m:r>
+                      <m:f>
+                        <m:fPr>
+                          <m:ctrlPr>
+                            <a:rPr lang="en-US" b="0" i="1" smtClean="0">
+                              <a:latin typeface="Cambria Math" panose="02040503050406030204" pitchFamily="18" charset="0"/>
+                            </a:rPr>
+                          </m:ctrlPr>
+                        </m:fPr>
+                        <m:num>
+                          <m:r>
+                            <a:rPr lang="en-US" b="0" i="1" smtClean="0">
+                              <a:latin typeface="Cambria Math" panose="02040503050406030204" pitchFamily="18" charset="0"/>
+                              <a:ea typeface="Cambria Math" panose="02040503050406030204" pitchFamily="18" charset="0"/>
+                            </a:rPr>
+                            <m:t>𝜕</m:t>
+                          </m:r>
+                          <m:r>
+                            <a:rPr lang="en-US" b="0" i="1" smtClean="0">
+                              <a:latin typeface="Cambria Math" panose="02040503050406030204" pitchFamily="18" charset="0"/>
+                            </a:rPr>
+                            <m:t>𝑇</m:t>
+                          </m:r>
+                        </m:num>
+                        <m:den>
+                          <m:r>
+                            <a:rPr lang="en-US" b="0" i="1" smtClean="0">
+                              <a:latin typeface="Cambria Math" panose="02040503050406030204" pitchFamily="18" charset="0"/>
+                              <a:ea typeface="Cambria Math" panose="02040503050406030204" pitchFamily="18" charset="0"/>
+                            </a:rPr>
+                            <m:t>𝜕</m:t>
+                          </m:r>
+                          <m:r>
+                            <a:rPr lang="en-US" b="0" i="1" smtClean="0">
+                              <a:latin typeface="Cambria Math" panose="02040503050406030204" pitchFamily="18" charset="0"/>
+                              <a:ea typeface="Cambria Math" panose="02040503050406030204" pitchFamily="18" charset="0"/>
+                            </a:rPr>
+                            <m:t>𝑧</m:t>
+                          </m:r>
+                        </m:den>
+                      </m:f>
+                    </m:oMath>
+                  </m:oMathPara>
+                </a14:m>
+                <a:endParaRPr lang="en-US" dirty="0"/>
+              </a:p>
+              <a:p>
+                <a:pPr marL="0" indent="0">
+                  <a:buFont typeface="Arial" panose="020B0604020202020204" pitchFamily="34" charset="0"/>
+                  <a:buNone/>
+                </a:pPr>
+                <a:r>
+                  <a:rPr lang="en-US" dirty="0"/>
+                  <a:t>-</a:t>
+                </a:r>
+                <a:r>
+                  <a:rPr lang="en-US" dirty="0" err="1"/>
+                  <a:t>Turbulento</a:t>
+                </a:r>
+                <a:r>
+                  <a:rPr lang="en-US" dirty="0"/>
+                  <a:t> (LE y </a:t>
+                </a:r>
+                <a:r>
+                  <a:rPr lang="en-US" dirty="0" err="1"/>
+                  <a:t>Pn</a:t>
+                </a:r>
+                <a:r>
+                  <a:rPr lang="en-US" dirty="0"/>
+                  <a:t>)</a:t>
+                </a:r>
+              </a:p>
+              <a:p>
+                <a:pPr marL="0" indent="0">
+                  <a:buFont typeface="Arial" panose="020B0604020202020204" pitchFamily="34" charset="0"/>
+                  <a:buNone/>
+                </a:pPr>
+                <a:r>
+                  <a:rPr lang="en-US" dirty="0"/>
+                  <a:t>Ley de Fick</a:t>
+                </a:r>
+              </a:p>
+              <a:p>
+                <a:pPr marL="0" indent="0">
+                  <a:buFont typeface="Arial" panose="020B0604020202020204" pitchFamily="34" charset="0"/>
+                  <a:buNone/>
+                </a:pPr>
+                <a14:m>
+                  <m:oMathPara xmlns:m="http://schemas.openxmlformats.org/officeDocument/2006/math">
+                    <m:oMathParaPr>
+                      <m:jc m:val="centerGroup"/>
+                    </m:oMathParaPr>
+                    <m:oMath xmlns:m="http://schemas.openxmlformats.org/officeDocument/2006/math">
+                      <m:sSubSup>
+                        <m:sSubSupPr>
+                          <m:ctrlPr>
+                            <a:rPr lang="en-US" i="1" smtClean="0">
+                              <a:latin typeface="Cambria Math" panose="02040503050406030204" pitchFamily="18" charset="0"/>
+                            </a:rPr>
+                          </m:ctrlPr>
+                        </m:sSubSupPr>
+                        <m:e>
+                          <m:r>
+                            <a:rPr lang="en-US" b="0" i="1" smtClean="0">
+                              <a:latin typeface="Cambria Math" panose="02040503050406030204" pitchFamily="18" charset="0"/>
+                            </a:rPr>
+                            <m:t>𝐹</m:t>
+                          </m:r>
+                        </m:e>
+                        <m:sub>
+                          <m:r>
+                            <a:rPr lang="en-US" b="0" i="1" smtClean="0">
+                              <a:latin typeface="Cambria Math" panose="02040503050406030204" pitchFamily="18" charset="0"/>
+                            </a:rPr>
+                            <m:t>𝑗</m:t>
+                          </m:r>
+                        </m:sub>
+                        <m:sup>
+                          <m:r>
+                            <a:rPr lang="en-US" b="0" i="1" smtClean="0">
+                              <a:latin typeface="Cambria Math" panose="02040503050406030204" pitchFamily="18" charset="0"/>
+                            </a:rPr>
+                            <m:t>′</m:t>
+                          </m:r>
+                        </m:sup>
+                      </m:sSubSup>
+                      <m:r>
+                        <a:rPr lang="en-US" b="0" i="1" smtClean="0">
+                          <a:latin typeface="Cambria Math" panose="02040503050406030204" pitchFamily="18" charset="0"/>
+                        </a:rPr>
+                        <m:t>=−</m:t>
+                      </m:r>
+                      <m:sSub>
+                        <m:sSubPr>
+                          <m:ctrlPr>
+                            <a:rPr lang="en-US" b="0" i="1" smtClean="0">
+                              <a:latin typeface="Cambria Math" panose="02040503050406030204" pitchFamily="18" charset="0"/>
+                            </a:rPr>
+                          </m:ctrlPr>
+                        </m:sSubPr>
+                        <m:e>
+                          <m:r>
+                            <a:rPr lang="en-US" b="0" i="1" smtClean="0">
+                              <a:latin typeface="Cambria Math" panose="02040503050406030204" pitchFamily="18" charset="0"/>
+                            </a:rPr>
+                            <m:t>𝐷</m:t>
+                          </m:r>
+                        </m:e>
+                        <m:sub>
+                          <m:r>
+                            <a:rPr lang="en-US" b="0" i="1" smtClean="0">
+                              <a:latin typeface="Cambria Math" panose="02040503050406030204" pitchFamily="18" charset="0"/>
+                            </a:rPr>
+                            <m:t>𝑗</m:t>
+                          </m:r>
+                        </m:sub>
+                      </m:sSub>
+                      <m:f>
+                        <m:fPr>
+                          <m:ctrlPr>
+                            <a:rPr lang="en-US" b="0" i="1" smtClean="0">
+                              <a:latin typeface="Cambria Math" panose="02040503050406030204" pitchFamily="18" charset="0"/>
+                            </a:rPr>
+                          </m:ctrlPr>
+                        </m:fPr>
+                        <m:num>
+                          <m:r>
+                            <a:rPr lang="en-US" b="0" i="1" smtClean="0">
+                              <a:latin typeface="Cambria Math" panose="02040503050406030204" pitchFamily="18" charset="0"/>
+                              <a:ea typeface="Cambria Math" panose="02040503050406030204" pitchFamily="18" charset="0"/>
+                            </a:rPr>
+                            <m:t>𝜕</m:t>
+                          </m:r>
+                          <m:sSub>
+                            <m:sSubPr>
+                              <m:ctrlPr>
+                                <a:rPr lang="en-US" b="0" i="1" smtClean="0">
+                                  <a:latin typeface="Cambria Math" panose="02040503050406030204" pitchFamily="18" charset="0"/>
+                                  <a:ea typeface="Cambria Math" panose="02040503050406030204" pitchFamily="18" charset="0"/>
+                                </a:rPr>
+                              </m:ctrlPr>
+                            </m:sSubPr>
+                            <m:e>
+                              <m:r>
+                                <a:rPr lang="en-US" b="0" i="1" smtClean="0">
+                                  <a:latin typeface="Cambria Math" panose="02040503050406030204" pitchFamily="18" charset="0"/>
+                                  <a:ea typeface="Cambria Math" panose="02040503050406030204" pitchFamily="18" charset="0"/>
+                                </a:rPr>
+                                <m:t>𝜌</m:t>
+                              </m:r>
+                            </m:e>
+                            <m:sub>
+                              <m:r>
+                                <a:rPr lang="en-US" b="0" i="1" smtClean="0">
+                                  <a:latin typeface="Cambria Math" panose="02040503050406030204" pitchFamily="18" charset="0"/>
+                                  <a:ea typeface="Cambria Math" panose="02040503050406030204" pitchFamily="18" charset="0"/>
+                                </a:rPr>
+                                <m:t>𝑗</m:t>
+                              </m:r>
+                            </m:sub>
+                          </m:sSub>
+                        </m:num>
+                        <m:den>
+                          <m:r>
+                            <a:rPr lang="en-US" b="0" i="1" smtClean="0">
+                              <a:latin typeface="Cambria Math" panose="02040503050406030204" pitchFamily="18" charset="0"/>
+                              <a:ea typeface="Cambria Math" panose="02040503050406030204" pitchFamily="18" charset="0"/>
+                            </a:rPr>
+                            <m:t>𝜕</m:t>
+                          </m:r>
+                          <m:r>
+                            <a:rPr lang="en-US" b="0" i="1" smtClean="0">
+                              <a:latin typeface="Cambria Math" panose="02040503050406030204" pitchFamily="18" charset="0"/>
+                              <a:ea typeface="Cambria Math" panose="02040503050406030204" pitchFamily="18" charset="0"/>
+                            </a:rPr>
+                            <m:t>𝑧</m:t>
+                          </m:r>
+                        </m:den>
+                      </m:f>
+                    </m:oMath>
+                  </m:oMathPara>
+                </a14:m>
+                <a:endParaRPr lang="en-US" dirty="0"/>
+              </a:p>
+              <a:p>
+                <a:pPr marL="0" indent="0">
+                  <a:buFont typeface="Arial" panose="020B0604020202020204" pitchFamily="34" charset="0"/>
+                  <a:buNone/>
+                </a:pPr>
+                <a:r>
+                  <a:rPr lang="en-US" dirty="0"/>
+                  <a:t>-</a:t>
+                </a:r>
+                <a:r>
+                  <a:rPr lang="en-US" dirty="0" err="1"/>
+                  <a:t>Bioquímico</a:t>
+                </a:r>
+                <a:r>
+                  <a:rPr lang="en-US" dirty="0"/>
+                  <a:t> (</a:t>
+                </a:r>
+                <a:r>
+                  <a:rPr lang="en-US" dirty="0" err="1"/>
+                  <a:t>Pn</a:t>
+                </a:r>
+                <a:r>
+                  <a:rPr lang="en-US" dirty="0"/>
+                  <a:t>)</a:t>
+                </a:r>
+              </a:p>
+              <a:p>
+                <a:pPr marL="0" indent="0">
+                  <a:buFont typeface="Arial" panose="020B0604020202020204" pitchFamily="34" charset="0"/>
+                  <a:buNone/>
+                </a:pPr>
+                <a:r>
+                  <a:rPr lang="en-US" dirty="0"/>
+                  <a:t>	IDEM a Ley de Fick</a:t>
+                </a:r>
+              </a:p>
+            </p:txBody>
+          </p:sp>
+        </mc:Choice>
+        <mc:Fallback>
+          <p:sp>
+            <p:nvSpPr>
+              <p:cNvPr id="5" name="Content Placeholder 2">
+                <a:extLst>
+                  <a:ext uri="{FF2B5EF4-FFF2-40B4-BE49-F238E27FC236}">
+                    <a16:creationId xmlns:a16="http://schemas.microsoft.com/office/drawing/2014/main" id="{171B36BE-87DA-707B-B391-D49B58616E8F}"/>
+                  </a:ext>
+                </a:extLst>
+              </p:cNvPr>
+              <p:cNvSpPr txBox="1">
+                <a:spLocks noRot="1" noChangeAspect="1" noMove="1" noResize="1" noEditPoints="1" noAdjustHandles="1" noChangeArrowheads="1" noChangeShapeType="1" noTextEdit="1"/>
+              </p:cNvSpPr>
+              <p:nvPr/>
+            </p:nvSpPr>
+            <p:spPr>
+              <a:xfrm>
+                <a:off x="918411" y="1768641"/>
+                <a:ext cx="5525252" cy="4946483"/>
+              </a:xfrm>
+              <a:prstGeom prst="rect">
+                <a:avLst/>
+              </a:prstGeom>
+              <a:blipFill>
+                <a:blip r:embed="rId4"/>
+                <a:stretch>
+                  <a:fillRect l="-2294" t="-2051"/>
+                </a:stretch>
+              </a:blipFill>
+            </p:spPr>
+            <p:txBody>
+              <a:bodyPr/>
+              <a:lstStyle/>
+              <a:p>
+                <a:r>
+                  <a:rPr lang="en-US">
+                    <a:noFill/>
+                  </a:rPr>
+                  <a:t> </a:t>
+                </a:r>
+              </a:p>
+            </p:txBody>
+          </p:sp>
+        </mc:Fallback>
+      </mc:AlternateContent>
     </p:spTree>
     <p:extLst>
       <p:ext uri="{BB962C8B-B14F-4D97-AF65-F5344CB8AC3E}">
